--- a/ppt 16-9/0900.合一相爱.pptx
+++ b/ppt 16-9/0900.合一相爱.pptx
@@ -129,7 +129,7 @@
           <p:cNvPr id="2" name="标题 1">
             <a:extLst>
               <a:ext uri="{FF2B5EF4-FFF2-40B4-BE49-F238E27FC236}">
-                <a16:creationId xmlns:a16="http://schemas.microsoft.com/office/drawing/2014/main" id="{359AC25C-D458-0547-1F85-978B93B7694C}"/>
+                <a16:creationId xmlns:a16="http://schemas.microsoft.com/office/drawing/2014/main" id="{B4EAF874-C28D-22E6-8B73-51386AA6279D}"/>
               </a:ext>
             </a:extLst>
           </p:cNvPr>
@@ -166,7 +166,7 @@
           <p:cNvPr id="3" name="副标题 2">
             <a:extLst>
               <a:ext uri="{FF2B5EF4-FFF2-40B4-BE49-F238E27FC236}">
-                <a16:creationId xmlns:a16="http://schemas.microsoft.com/office/drawing/2014/main" id="{92D59753-FEC9-5AE0-B750-AE406FF86AAF}"/>
+                <a16:creationId xmlns:a16="http://schemas.microsoft.com/office/drawing/2014/main" id="{730FD160-3183-2941-4022-B471EF027581}"/>
               </a:ext>
             </a:extLst>
           </p:cNvPr>
@@ -236,7 +236,7 @@
           <p:cNvPr id="4" name="日期占位符 3">
             <a:extLst>
               <a:ext uri="{FF2B5EF4-FFF2-40B4-BE49-F238E27FC236}">
-                <a16:creationId xmlns:a16="http://schemas.microsoft.com/office/drawing/2014/main" id="{2243C3FB-0514-5888-D9C6-00047ADA0ACA}"/>
+                <a16:creationId xmlns:a16="http://schemas.microsoft.com/office/drawing/2014/main" id="{5C628E37-9A50-6C21-73FF-A452C61B31D2}"/>
               </a:ext>
             </a:extLst>
           </p:cNvPr>
@@ -252,7 +252,7 @@
           <a:bodyPr/>
           <a:lstStyle/>
           <a:p>
-            <a:fld id="{ACD24BB1-A577-4746-975C-1D9EBF207121}" type="datetimeFigureOut">
+            <a:fld id="{17D6C595-131C-4F3C-A0A6-9FFD23716381}" type="datetimeFigureOut">
               <a:rPr lang="zh-CN" altLang="en-US" smtClean="0"/>
               <a:t>2024/3/10</a:t>
             </a:fld>
@@ -265,7 +265,7 @@
           <p:cNvPr id="5" name="页脚占位符 4">
             <a:extLst>
               <a:ext uri="{FF2B5EF4-FFF2-40B4-BE49-F238E27FC236}">
-                <a16:creationId xmlns:a16="http://schemas.microsoft.com/office/drawing/2014/main" id="{AC05E464-A074-A98F-AB77-269215C6D6D4}"/>
+                <a16:creationId xmlns:a16="http://schemas.microsoft.com/office/drawing/2014/main" id="{27503184-2926-8C98-581F-92A7637278E8}"/>
               </a:ext>
             </a:extLst>
           </p:cNvPr>
@@ -290,7 +290,7 @@
           <p:cNvPr id="6" name="灯片编号占位符 5">
             <a:extLst>
               <a:ext uri="{FF2B5EF4-FFF2-40B4-BE49-F238E27FC236}">
-                <a16:creationId xmlns:a16="http://schemas.microsoft.com/office/drawing/2014/main" id="{045C1EEC-F834-9173-1D0D-31BE776AABD0}"/>
+                <a16:creationId xmlns:a16="http://schemas.microsoft.com/office/drawing/2014/main" id="{A7AC8C8D-8EEB-84F4-E746-C4B77AAD518B}"/>
               </a:ext>
             </a:extLst>
           </p:cNvPr>
@@ -306,7 +306,7 @@
           <a:bodyPr/>
           <a:lstStyle/>
           <a:p>
-            <a:fld id="{AACF9496-A6C0-4E49-A339-B9414C065E18}" type="slidenum">
+            <a:fld id="{167AC861-076B-4FEC-9C28-F7F1F2E67E04}" type="slidenum">
               <a:rPr lang="zh-CN" altLang="en-US" smtClean="0"/>
               <a:t>‹#›</a:t>
             </a:fld>
@@ -317,7 +317,7 @@
     </p:spTree>
     <p:extLst>
       <p:ext uri="{BB962C8B-B14F-4D97-AF65-F5344CB8AC3E}">
-        <p14:creationId xmlns:p14="http://schemas.microsoft.com/office/powerpoint/2010/main" val="3288430219"/>
+        <p14:creationId xmlns:p14="http://schemas.microsoft.com/office/powerpoint/2010/main" val="896772018"/>
       </p:ext>
     </p:extLst>
   </p:cSld>
@@ -349,7 +349,7 @@
           <p:cNvPr id="2" name="标题 1">
             <a:extLst>
               <a:ext uri="{FF2B5EF4-FFF2-40B4-BE49-F238E27FC236}">
-                <a16:creationId xmlns:a16="http://schemas.microsoft.com/office/drawing/2014/main" id="{E6FD18CE-52C9-3E94-09F4-3F6D687328C9}"/>
+                <a16:creationId xmlns:a16="http://schemas.microsoft.com/office/drawing/2014/main" id="{189CE799-800D-AEFE-356E-B61F1AFC2945}"/>
               </a:ext>
             </a:extLst>
           </p:cNvPr>
@@ -377,7 +377,7 @@
           <p:cNvPr id="3" name="竖排文字占位符 2">
             <a:extLst>
               <a:ext uri="{FF2B5EF4-FFF2-40B4-BE49-F238E27FC236}">
-                <a16:creationId xmlns:a16="http://schemas.microsoft.com/office/drawing/2014/main" id="{D79EDEA2-30AE-540B-10A5-25D5F978356A}"/>
+                <a16:creationId xmlns:a16="http://schemas.microsoft.com/office/drawing/2014/main" id="{B3BEE21A-2898-1191-61D7-249FF9CF0AC8}"/>
               </a:ext>
             </a:extLst>
           </p:cNvPr>
@@ -434,7 +434,7 @@
           <p:cNvPr id="4" name="日期占位符 3">
             <a:extLst>
               <a:ext uri="{FF2B5EF4-FFF2-40B4-BE49-F238E27FC236}">
-                <a16:creationId xmlns:a16="http://schemas.microsoft.com/office/drawing/2014/main" id="{9209E3B4-3AB6-D1AB-2124-6BA7D324FF70}"/>
+                <a16:creationId xmlns:a16="http://schemas.microsoft.com/office/drawing/2014/main" id="{96DDB447-4889-4853-9B95-B554FA9DACA1}"/>
               </a:ext>
             </a:extLst>
           </p:cNvPr>
@@ -450,7 +450,7 @@
           <a:bodyPr/>
           <a:lstStyle/>
           <a:p>
-            <a:fld id="{ACD24BB1-A577-4746-975C-1D9EBF207121}" type="datetimeFigureOut">
+            <a:fld id="{17D6C595-131C-4F3C-A0A6-9FFD23716381}" type="datetimeFigureOut">
               <a:rPr lang="zh-CN" altLang="en-US" smtClean="0"/>
               <a:t>2024/3/10</a:t>
             </a:fld>
@@ -463,7 +463,7 @@
           <p:cNvPr id="5" name="页脚占位符 4">
             <a:extLst>
               <a:ext uri="{FF2B5EF4-FFF2-40B4-BE49-F238E27FC236}">
-                <a16:creationId xmlns:a16="http://schemas.microsoft.com/office/drawing/2014/main" id="{FEFFC9E4-724B-F731-590B-145B3452DC1C}"/>
+                <a16:creationId xmlns:a16="http://schemas.microsoft.com/office/drawing/2014/main" id="{D913155D-CEB6-766F-C0ED-0803591ED931}"/>
               </a:ext>
             </a:extLst>
           </p:cNvPr>
@@ -488,7 +488,7 @@
           <p:cNvPr id="6" name="灯片编号占位符 5">
             <a:extLst>
               <a:ext uri="{FF2B5EF4-FFF2-40B4-BE49-F238E27FC236}">
-                <a16:creationId xmlns:a16="http://schemas.microsoft.com/office/drawing/2014/main" id="{DF3F4B16-5658-1922-3C0C-57CA252253C4}"/>
+                <a16:creationId xmlns:a16="http://schemas.microsoft.com/office/drawing/2014/main" id="{2D5023ED-3C98-7A7A-7E93-6096F828BECB}"/>
               </a:ext>
             </a:extLst>
           </p:cNvPr>
@@ -504,7 +504,7 @@
           <a:bodyPr/>
           <a:lstStyle/>
           <a:p>
-            <a:fld id="{AACF9496-A6C0-4E49-A339-B9414C065E18}" type="slidenum">
+            <a:fld id="{167AC861-076B-4FEC-9C28-F7F1F2E67E04}" type="slidenum">
               <a:rPr lang="zh-CN" altLang="en-US" smtClean="0"/>
               <a:t>‹#›</a:t>
             </a:fld>
@@ -515,7 +515,7 @@
     </p:spTree>
     <p:extLst>
       <p:ext uri="{BB962C8B-B14F-4D97-AF65-F5344CB8AC3E}">
-        <p14:creationId xmlns:p14="http://schemas.microsoft.com/office/powerpoint/2010/main" val="868904642"/>
+        <p14:creationId xmlns:p14="http://schemas.microsoft.com/office/powerpoint/2010/main" val="2493978891"/>
       </p:ext>
     </p:extLst>
   </p:cSld>
@@ -547,7 +547,7 @@
           <p:cNvPr id="2" name="竖排标题 1">
             <a:extLst>
               <a:ext uri="{FF2B5EF4-FFF2-40B4-BE49-F238E27FC236}">
-                <a16:creationId xmlns:a16="http://schemas.microsoft.com/office/drawing/2014/main" id="{5C7A5617-FA94-A504-9BE5-66ECECEEB230}"/>
+                <a16:creationId xmlns:a16="http://schemas.microsoft.com/office/drawing/2014/main" id="{FAAA81E1-F518-E484-118C-9E8CAB4BFCE2}"/>
               </a:ext>
             </a:extLst>
           </p:cNvPr>
@@ -580,7 +580,7 @@
           <p:cNvPr id="3" name="竖排文字占位符 2">
             <a:extLst>
               <a:ext uri="{FF2B5EF4-FFF2-40B4-BE49-F238E27FC236}">
-                <a16:creationId xmlns:a16="http://schemas.microsoft.com/office/drawing/2014/main" id="{B0D5AB0D-79C0-4741-D155-6C39CD1D8445}"/>
+                <a16:creationId xmlns:a16="http://schemas.microsoft.com/office/drawing/2014/main" id="{3240D097-17F5-260B-91C8-F601D9995709}"/>
               </a:ext>
             </a:extLst>
           </p:cNvPr>
@@ -642,7 +642,7 @@
           <p:cNvPr id="4" name="日期占位符 3">
             <a:extLst>
               <a:ext uri="{FF2B5EF4-FFF2-40B4-BE49-F238E27FC236}">
-                <a16:creationId xmlns:a16="http://schemas.microsoft.com/office/drawing/2014/main" id="{06A3148F-8A86-8A90-22DF-83CCC38C6D35}"/>
+                <a16:creationId xmlns:a16="http://schemas.microsoft.com/office/drawing/2014/main" id="{E0925346-BE75-E2AE-C2C3-C8C23F207309}"/>
               </a:ext>
             </a:extLst>
           </p:cNvPr>
@@ -658,7 +658,7 @@
           <a:bodyPr/>
           <a:lstStyle/>
           <a:p>
-            <a:fld id="{ACD24BB1-A577-4746-975C-1D9EBF207121}" type="datetimeFigureOut">
+            <a:fld id="{17D6C595-131C-4F3C-A0A6-9FFD23716381}" type="datetimeFigureOut">
               <a:rPr lang="zh-CN" altLang="en-US" smtClean="0"/>
               <a:t>2024/3/10</a:t>
             </a:fld>
@@ -671,7 +671,7 @@
           <p:cNvPr id="5" name="页脚占位符 4">
             <a:extLst>
               <a:ext uri="{FF2B5EF4-FFF2-40B4-BE49-F238E27FC236}">
-                <a16:creationId xmlns:a16="http://schemas.microsoft.com/office/drawing/2014/main" id="{2ECE00BD-EE30-F6B2-1B68-B75BB911168A}"/>
+                <a16:creationId xmlns:a16="http://schemas.microsoft.com/office/drawing/2014/main" id="{17FC0578-785D-7000-FD4E-BB7B8096334E}"/>
               </a:ext>
             </a:extLst>
           </p:cNvPr>
@@ -696,7 +696,7 @@
           <p:cNvPr id="6" name="灯片编号占位符 5">
             <a:extLst>
               <a:ext uri="{FF2B5EF4-FFF2-40B4-BE49-F238E27FC236}">
-                <a16:creationId xmlns:a16="http://schemas.microsoft.com/office/drawing/2014/main" id="{E0C2DD61-0C98-7549-0173-F24998EC624C}"/>
+                <a16:creationId xmlns:a16="http://schemas.microsoft.com/office/drawing/2014/main" id="{C98A5383-499F-3D8D-2E40-9689D1D85BCD}"/>
               </a:ext>
             </a:extLst>
           </p:cNvPr>
@@ -712,7 +712,7 @@
           <a:bodyPr/>
           <a:lstStyle/>
           <a:p>
-            <a:fld id="{AACF9496-A6C0-4E49-A339-B9414C065E18}" type="slidenum">
+            <a:fld id="{167AC861-076B-4FEC-9C28-F7F1F2E67E04}" type="slidenum">
               <a:rPr lang="zh-CN" altLang="en-US" smtClean="0"/>
               <a:t>‹#›</a:t>
             </a:fld>
@@ -723,7 +723,7 @@
     </p:spTree>
     <p:extLst>
       <p:ext uri="{BB962C8B-B14F-4D97-AF65-F5344CB8AC3E}">
-        <p14:creationId xmlns:p14="http://schemas.microsoft.com/office/powerpoint/2010/main" val="4184693669"/>
+        <p14:creationId xmlns:p14="http://schemas.microsoft.com/office/powerpoint/2010/main" val="2961322874"/>
       </p:ext>
     </p:extLst>
   </p:cSld>
@@ -755,7 +755,7 @@
           <p:cNvPr id="2" name="标题 1">
             <a:extLst>
               <a:ext uri="{FF2B5EF4-FFF2-40B4-BE49-F238E27FC236}">
-                <a16:creationId xmlns:a16="http://schemas.microsoft.com/office/drawing/2014/main" id="{549667F4-498B-5336-6F73-7845ECC5D568}"/>
+                <a16:creationId xmlns:a16="http://schemas.microsoft.com/office/drawing/2014/main" id="{9BADFABB-0CFE-BD91-C77A-19A713E854E0}"/>
               </a:ext>
             </a:extLst>
           </p:cNvPr>
@@ -783,7 +783,7 @@
           <p:cNvPr id="3" name="内容占位符 2">
             <a:extLst>
               <a:ext uri="{FF2B5EF4-FFF2-40B4-BE49-F238E27FC236}">
-                <a16:creationId xmlns:a16="http://schemas.microsoft.com/office/drawing/2014/main" id="{173F4BE0-93D0-2AA8-9C06-C3E948EA1F16}"/>
+                <a16:creationId xmlns:a16="http://schemas.microsoft.com/office/drawing/2014/main" id="{7C131741-15C3-5932-2ABD-A84320662210}"/>
               </a:ext>
             </a:extLst>
           </p:cNvPr>
@@ -840,7 +840,7 @@
           <p:cNvPr id="4" name="日期占位符 3">
             <a:extLst>
               <a:ext uri="{FF2B5EF4-FFF2-40B4-BE49-F238E27FC236}">
-                <a16:creationId xmlns:a16="http://schemas.microsoft.com/office/drawing/2014/main" id="{AD832BC1-CD2A-1C85-61E2-D63F9D7AC9D3}"/>
+                <a16:creationId xmlns:a16="http://schemas.microsoft.com/office/drawing/2014/main" id="{E6B7DCB9-8DA6-6D93-920B-B5EB0F288554}"/>
               </a:ext>
             </a:extLst>
           </p:cNvPr>
@@ -856,7 +856,7 @@
           <a:bodyPr/>
           <a:lstStyle/>
           <a:p>
-            <a:fld id="{ACD24BB1-A577-4746-975C-1D9EBF207121}" type="datetimeFigureOut">
+            <a:fld id="{17D6C595-131C-4F3C-A0A6-9FFD23716381}" type="datetimeFigureOut">
               <a:rPr lang="zh-CN" altLang="en-US" smtClean="0"/>
               <a:t>2024/3/10</a:t>
             </a:fld>
@@ -869,7 +869,7 @@
           <p:cNvPr id="5" name="页脚占位符 4">
             <a:extLst>
               <a:ext uri="{FF2B5EF4-FFF2-40B4-BE49-F238E27FC236}">
-                <a16:creationId xmlns:a16="http://schemas.microsoft.com/office/drawing/2014/main" id="{0B1B3EE2-9DA1-F310-DD95-F9A999BAA9DC}"/>
+                <a16:creationId xmlns:a16="http://schemas.microsoft.com/office/drawing/2014/main" id="{1C45B817-62B4-F332-6F2A-0785FD342C76}"/>
               </a:ext>
             </a:extLst>
           </p:cNvPr>
@@ -894,7 +894,7 @@
           <p:cNvPr id="6" name="灯片编号占位符 5">
             <a:extLst>
               <a:ext uri="{FF2B5EF4-FFF2-40B4-BE49-F238E27FC236}">
-                <a16:creationId xmlns:a16="http://schemas.microsoft.com/office/drawing/2014/main" id="{F122C8D7-2556-B0F4-D71E-DAF22B32A91B}"/>
+                <a16:creationId xmlns:a16="http://schemas.microsoft.com/office/drawing/2014/main" id="{8462CD52-AFF5-105B-FB96-DC658B2D5ACD}"/>
               </a:ext>
             </a:extLst>
           </p:cNvPr>
@@ -910,7 +910,7 @@
           <a:bodyPr/>
           <a:lstStyle/>
           <a:p>
-            <a:fld id="{AACF9496-A6C0-4E49-A339-B9414C065E18}" type="slidenum">
+            <a:fld id="{167AC861-076B-4FEC-9C28-F7F1F2E67E04}" type="slidenum">
               <a:rPr lang="zh-CN" altLang="en-US" smtClean="0"/>
               <a:t>‹#›</a:t>
             </a:fld>
@@ -921,7 +921,7 @@
     </p:spTree>
     <p:extLst>
       <p:ext uri="{BB962C8B-B14F-4D97-AF65-F5344CB8AC3E}">
-        <p14:creationId xmlns:p14="http://schemas.microsoft.com/office/powerpoint/2010/main" val="1469898521"/>
+        <p14:creationId xmlns:p14="http://schemas.microsoft.com/office/powerpoint/2010/main" val="3013019169"/>
       </p:ext>
     </p:extLst>
   </p:cSld>
@@ -953,7 +953,7 @@
           <p:cNvPr id="2" name="标题 1">
             <a:extLst>
               <a:ext uri="{FF2B5EF4-FFF2-40B4-BE49-F238E27FC236}">
-                <a16:creationId xmlns:a16="http://schemas.microsoft.com/office/drawing/2014/main" id="{468C44CF-F48D-6DBE-42CF-5BD4AFB0377A}"/>
+                <a16:creationId xmlns:a16="http://schemas.microsoft.com/office/drawing/2014/main" id="{CD5E345F-75B3-F374-074B-73C45993DDCD}"/>
               </a:ext>
             </a:extLst>
           </p:cNvPr>
@@ -990,7 +990,7 @@
           <p:cNvPr id="3" name="文本占位符 2">
             <a:extLst>
               <a:ext uri="{FF2B5EF4-FFF2-40B4-BE49-F238E27FC236}">
-                <a16:creationId xmlns:a16="http://schemas.microsoft.com/office/drawing/2014/main" id="{58177478-A13E-4FE6-E0F9-5A9FE2E25459}"/>
+                <a16:creationId xmlns:a16="http://schemas.microsoft.com/office/drawing/2014/main" id="{D5D1CA62-8413-0F2D-A470-869F3D033149}"/>
               </a:ext>
             </a:extLst>
           </p:cNvPr>
@@ -1115,7 +1115,7 @@
           <p:cNvPr id="4" name="日期占位符 3">
             <a:extLst>
               <a:ext uri="{FF2B5EF4-FFF2-40B4-BE49-F238E27FC236}">
-                <a16:creationId xmlns:a16="http://schemas.microsoft.com/office/drawing/2014/main" id="{D1125CFB-4D72-5947-4908-2E34CD0EE89F}"/>
+                <a16:creationId xmlns:a16="http://schemas.microsoft.com/office/drawing/2014/main" id="{97931B1B-A740-F40C-4E84-3B49E17A2CE7}"/>
               </a:ext>
             </a:extLst>
           </p:cNvPr>
@@ -1131,7 +1131,7 @@
           <a:bodyPr/>
           <a:lstStyle/>
           <a:p>
-            <a:fld id="{ACD24BB1-A577-4746-975C-1D9EBF207121}" type="datetimeFigureOut">
+            <a:fld id="{17D6C595-131C-4F3C-A0A6-9FFD23716381}" type="datetimeFigureOut">
               <a:rPr lang="zh-CN" altLang="en-US" smtClean="0"/>
               <a:t>2024/3/10</a:t>
             </a:fld>
@@ -1144,7 +1144,7 @@
           <p:cNvPr id="5" name="页脚占位符 4">
             <a:extLst>
               <a:ext uri="{FF2B5EF4-FFF2-40B4-BE49-F238E27FC236}">
-                <a16:creationId xmlns:a16="http://schemas.microsoft.com/office/drawing/2014/main" id="{825107F8-9DA2-1112-DA8F-9A745B85218F}"/>
+                <a16:creationId xmlns:a16="http://schemas.microsoft.com/office/drawing/2014/main" id="{DAA6FCC9-D084-FEC3-EEDE-2639B692FCCF}"/>
               </a:ext>
             </a:extLst>
           </p:cNvPr>
@@ -1169,7 +1169,7 @@
           <p:cNvPr id="6" name="灯片编号占位符 5">
             <a:extLst>
               <a:ext uri="{FF2B5EF4-FFF2-40B4-BE49-F238E27FC236}">
-                <a16:creationId xmlns:a16="http://schemas.microsoft.com/office/drawing/2014/main" id="{3DF7C278-E082-08BE-1E76-62426DCF5ABF}"/>
+                <a16:creationId xmlns:a16="http://schemas.microsoft.com/office/drawing/2014/main" id="{B39D5868-2F90-DBD9-EE0B-50C4D214D26F}"/>
               </a:ext>
             </a:extLst>
           </p:cNvPr>
@@ -1185,7 +1185,7 @@
           <a:bodyPr/>
           <a:lstStyle/>
           <a:p>
-            <a:fld id="{AACF9496-A6C0-4E49-A339-B9414C065E18}" type="slidenum">
+            <a:fld id="{167AC861-076B-4FEC-9C28-F7F1F2E67E04}" type="slidenum">
               <a:rPr lang="zh-CN" altLang="en-US" smtClean="0"/>
               <a:t>‹#›</a:t>
             </a:fld>
@@ -1196,7 +1196,7 @@
     </p:spTree>
     <p:extLst>
       <p:ext uri="{BB962C8B-B14F-4D97-AF65-F5344CB8AC3E}">
-        <p14:creationId xmlns:p14="http://schemas.microsoft.com/office/powerpoint/2010/main" val="3135422638"/>
+        <p14:creationId xmlns:p14="http://schemas.microsoft.com/office/powerpoint/2010/main" val="1080507364"/>
       </p:ext>
     </p:extLst>
   </p:cSld>
@@ -1228,7 +1228,7 @@
           <p:cNvPr id="2" name="标题 1">
             <a:extLst>
               <a:ext uri="{FF2B5EF4-FFF2-40B4-BE49-F238E27FC236}">
-                <a16:creationId xmlns:a16="http://schemas.microsoft.com/office/drawing/2014/main" id="{82CBDECB-392C-03ED-D04F-CF79D4898608}"/>
+                <a16:creationId xmlns:a16="http://schemas.microsoft.com/office/drawing/2014/main" id="{30840C87-B0C3-4270-7294-FFBE4CD1F6C1}"/>
               </a:ext>
             </a:extLst>
           </p:cNvPr>
@@ -1256,7 +1256,7 @@
           <p:cNvPr id="3" name="内容占位符 2">
             <a:extLst>
               <a:ext uri="{FF2B5EF4-FFF2-40B4-BE49-F238E27FC236}">
-                <a16:creationId xmlns:a16="http://schemas.microsoft.com/office/drawing/2014/main" id="{C065354D-68E5-D79E-0AEF-1DAECF9B949A}"/>
+                <a16:creationId xmlns:a16="http://schemas.microsoft.com/office/drawing/2014/main" id="{389411E3-1224-D897-A855-9889BE3A2C5A}"/>
               </a:ext>
             </a:extLst>
           </p:cNvPr>
@@ -1318,7 +1318,7 @@
           <p:cNvPr id="4" name="内容占位符 3">
             <a:extLst>
               <a:ext uri="{FF2B5EF4-FFF2-40B4-BE49-F238E27FC236}">
-                <a16:creationId xmlns:a16="http://schemas.microsoft.com/office/drawing/2014/main" id="{4592771D-6133-80E7-D826-C524600A330F}"/>
+                <a16:creationId xmlns:a16="http://schemas.microsoft.com/office/drawing/2014/main" id="{7E8481AF-ECF8-ED1E-33C1-59DEEC33AFF5}"/>
               </a:ext>
             </a:extLst>
           </p:cNvPr>
@@ -1380,7 +1380,7 @@
           <p:cNvPr id="5" name="日期占位符 4">
             <a:extLst>
               <a:ext uri="{FF2B5EF4-FFF2-40B4-BE49-F238E27FC236}">
-                <a16:creationId xmlns:a16="http://schemas.microsoft.com/office/drawing/2014/main" id="{2E836DB8-50FF-6090-FFE5-74B59AF27F05}"/>
+                <a16:creationId xmlns:a16="http://schemas.microsoft.com/office/drawing/2014/main" id="{D15A9A05-038B-F086-4853-CCE56A7B8BD7}"/>
               </a:ext>
             </a:extLst>
           </p:cNvPr>
@@ -1396,7 +1396,7 @@
           <a:bodyPr/>
           <a:lstStyle/>
           <a:p>
-            <a:fld id="{ACD24BB1-A577-4746-975C-1D9EBF207121}" type="datetimeFigureOut">
+            <a:fld id="{17D6C595-131C-4F3C-A0A6-9FFD23716381}" type="datetimeFigureOut">
               <a:rPr lang="zh-CN" altLang="en-US" smtClean="0"/>
               <a:t>2024/3/10</a:t>
             </a:fld>
@@ -1409,7 +1409,7 @@
           <p:cNvPr id="6" name="页脚占位符 5">
             <a:extLst>
               <a:ext uri="{FF2B5EF4-FFF2-40B4-BE49-F238E27FC236}">
-                <a16:creationId xmlns:a16="http://schemas.microsoft.com/office/drawing/2014/main" id="{22452CA2-7E77-2FF6-DF9D-A312A84632CC}"/>
+                <a16:creationId xmlns:a16="http://schemas.microsoft.com/office/drawing/2014/main" id="{AD67AE73-DAF7-1DEA-7FD8-99DBB156F61B}"/>
               </a:ext>
             </a:extLst>
           </p:cNvPr>
@@ -1434,7 +1434,7 @@
           <p:cNvPr id="7" name="灯片编号占位符 6">
             <a:extLst>
               <a:ext uri="{FF2B5EF4-FFF2-40B4-BE49-F238E27FC236}">
-                <a16:creationId xmlns:a16="http://schemas.microsoft.com/office/drawing/2014/main" id="{67DCB15D-C938-E7CD-D4A6-A55004BBEA53}"/>
+                <a16:creationId xmlns:a16="http://schemas.microsoft.com/office/drawing/2014/main" id="{9E28A268-7979-179B-0786-15E85E100EBC}"/>
               </a:ext>
             </a:extLst>
           </p:cNvPr>
@@ -1450,7 +1450,7 @@
           <a:bodyPr/>
           <a:lstStyle/>
           <a:p>
-            <a:fld id="{AACF9496-A6C0-4E49-A339-B9414C065E18}" type="slidenum">
+            <a:fld id="{167AC861-076B-4FEC-9C28-F7F1F2E67E04}" type="slidenum">
               <a:rPr lang="zh-CN" altLang="en-US" smtClean="0"/>
               <a:t>‹#›</a:t>
             </a:fld>
@@ -1461,7 +1461,7 @@
     </p:spTree>
     <p:extLst>
       <p:ext uri="{BB962C8B-B14F-4D97-AF65-F5344CB8AC3E}">
-        <p14:creationId xmlns:p14="http://schemas.microsoft.com/office/powerpoint/2010/main" val="3291880730"/>
+        <p14:creationId xmlns:p14="http://schemas.microsoft.com/office/powerpoint/2010/main" val="1481573369"/>
       </p:ext>
     </p:extLst>
   </p:cSld>
@@ -1493,7 +1493,7 @@
           <p:cNvPr id="2" name="标题 1">
             <a:extLst>
               <a:ext uri="{FF2B5EF4-FFF2-40B4-BE49-F238E27FC236}">
-                <a16:creationId xmlns:a16="http://schemas.microsoft.com/office/drawing/2014/main" id="{EA4FDC4A-78BF-E264-A203-54EDFC2EB8BD}"/>
+                <a16:creationId xmlns:a16="http://schemas.microsoft.com/office/drawing/2014/main" id="{C1DFCF42-7ED0-4C19-C322-A31A17544612}"/>
               </a:ext>
             </a:extLst>
           </p:cNvPr>
@@ -1526,7 +1526,7 @@
           <p:cNvPr id="3" name="文本占位符 2">
             <a:extLst>
               <a:ext uri="{FF2B5EF4-FFF2-40B4-BE49-F238E27FC236}">
-                <a16:creationId xmlns:a16="http://schemas.microsoft.com/office/drawing/2014/main" id="{D9F3802D-43FC-874D-9C42-9279A7F9EFE1}"/>
+                <a16:creationId xmlns:a16="http://schemas.microsoft.com/office/drawing/2014/main" id="{9547CDC8-F484-21BA-07FA-3772BD736088}"/>
               </a:ext>
             </a:extLst>
           </p:cNvPr>
@@ -1597,7 +1597,7 @@
           <p:cNvPr id="4" name="内容占位符 3">
             <a:extLst>
               <a:ext uri="{FF2B5EF4-FFF2-40B4-BE49-F238E27FC236}">
-                <a16:creationId xmlns:a16="http://schemas.microsoft.com/office/drawing/2014/main" id="{9D7E59D1-0721-4DCC-3CBD-8872A0411833}"/>
+                <a16:creationId xmlns:a16="http://schemas.microsoft.com/office/drawing/2014/main" id="{FB946526-25DA-21C0-94E2-5EA0273E70E4}"/>
               </a:ext>
             </a:extLst>
           </p:cNvPr>
@@ -1659,7 +1659,7 @@
           <p:cNvPr id="5" name="文本占位符 4">
             <a:extLst>
               <a:ext uri="{FF2B5EF4-FFF2-40B4-BE49-F238E27FC236}">
-                <a16:creationId xmlns:a16="http://schemas.microsoft.com/office/drawing/2014/main" id="{FEDC53FB-FD86-0822-B5F0-C01831E72105}"/>
+                <a16:creationId xmlns:a16="http://schemas.microsoft.com/office/drawing/2014/main" id="{37AC311C-BF7B-88AC-DC33-D7D80D80B097}"/>
               </a:ext>
             </a:extLst>
           </p:cNvPr>
@@ -1730,7 +1730,7 @@
           <p:cNvPr id="6" name="内容占位符 5">
             <a:extLst>
               <a:ext uri="{FF2B5EF4-FFF2-40B4-BE49-F238E27FC236}">
-                <a16:creationId xmlns:a16="http://schemas.microsoft.com/office/drawing/2014/main" id="{AF09F2CE-221D-E911-2EA7-FBE5B83730AD}"/>
+                <a16:creationId xmlns:a16="http://schemas.microsoft.com/office/drawing/2014/main" id="{8DFAC460-8063-51CA-CD09-9C800E5F22E8}"/>
               </a:ext>
             </a:extLst>
           </p:cNvPr>
@@ -1792,7 +1792,7 @@
           <p:cNvPr id="7" name="日期占位符 6">
             <a:extLst>
               <a:ext uri="{FF2B5EF4-FFF2-40B4-BE49-F238E27FC236}">
-                <a16:creationId xmlns:a16="http://schemas.microsoft.com/office/drawing/2014/main" id="{EF660922-2B0F-ED83-792D-96EA53A4C704}"/>
+                <a16:creationId xmlns:a16="http://schemas.microsoft.com/office/drawing/2014/main" id="{90F5017C-5DE2-44C0-27BD-9DA099F0077E}"/>
               </a:ext>
             </a:extLst>
           </p:cNvPr>
@@ -1808,7 +1808,7 @@
           <a:bodyPr/>
           <a:lstStyle/>
           <a:p>
-            <a:fld id="{ACD24BB1-A577-4746-975C-1D9EBF207121}" type="datetimeFigureOut">
+            <a:fld id="{17D6C595-131C-4F3C-A0A6-9FFD23716381}" type="datetimeFigureOut">
               <a:rPr lang="zh-CN" altLang="en-US" smtClean="0"/>
               <a:t>2024/3/10</a:t>
             </a:fld>
@@ -1821,7 +1821,7 @@
           <p:cNvPr id="8" name="页脚占位符 7">
             <a:extLst>
               <a:ext uri="{FF2B5EF4-FFF2-40B4-BE49-F238E27FC236}">
-                <a16:creationId xmlns:a16="http://schemas.microsoft.com/office/drawing/2014/main" id="{19D99642-27C5-374D-0B2C-1A50C8B277A8}"/>
+                <a16:creationId xmlns:a16="http://schemas.microsoft.com/office/drawing/2014/main" id="{45389939-BEF4-E30D-4BDF-CB333F8518A6}"/>
               </a:ext>
             </a:extLst>
           </p:cNvPr>
@@ -1846,7 +1846,7 @@
           <p:cNvPr id="9" name="灯片编号占位符 8">
             <a:extLst>
               <a:ext uri="{FF2B5EF4-FFF2-40B4-BE49-F238E27FC236}">
-                <a16:creationId xmlns:a16="http://schemas.microsoft.com/office/drawing/2014/main" id="{2F39D75C-812A-8CAB-0C7A-0D3B0B4E4EDC}"/>
+                <a16:creationId xmlns:a16="http://schemas.microsoft.com/office/drawing/2014/main" id="{E6A42DD6-CDDA-C753-FFCB-7D6F77A66936}"/>
               </a:ext>
             </a:extLst>
           </p:cNvPr>
@@ -1862,7 +1862,7 @@
           <a:bodyPr/>
           <a:lstStyle/>
           <a:p>
-            <a:fld id="{AACF9496-A6C0-4E49-A339-B9414C065E18}" type="slidenum">
+            <a:fld id="{167AC861-076B-4FEC-9C28-F7F1F2E67E04}" type="slidenum">
               <a:rPr lang="zh-CN" altLang="en-US" smtClean="0"/>
               <a:t>‹#›</a:t>
             </a:fld>
@@ -1873,7 +1873,7 @@
     </p:spTree>
     <p:extLst>
       <p:ext uri="{BB962C8B-B14F-4D97-AF65-F5344CB8AC3E}">
-        <p14:creationId xmlns:p14="http://schemas.microsoft.com/office/powerpoint/2010/main" val="4224506744"/>
+        <p14:creationId xmlns:p14="http://schemas.microsoft.com/office/powerpoint/2010/main" val="4258411773"/>
       </p:ext>
     </p:extLst>
   </p:cSld>
@@ -1905,7 +1905,7 @@
           <p:cNvPr id="2" name="标题 1">
             <a:extLst>
               <a:ext uri="{FF2B5EF4-FFF2-40B4-BE49-F238E27FC236}">
-                <a16:creationId xmlns:a16="http://schemas.microsoft.com/office/drawing/2014/main" id="{134E0330-C916-8492-2455-B96639C928D3}"/>
+                <a16:creationId xmlns:a16="http://schemas.microsoft.com/office/drawing/2014/main" id="{7FBFC356-205F-4AA7-1B94-B03E51FFA8D9}"/>
               </a:ext>
             </a:extLst>
           </p:cNvPr>
@@ -1933,7 +1933,7 @@
           <p:cNvPr id="3" name="日期占位符 2">
             <a:extLst>
               <a:ext uri="{FF2B5EF4-FFF2-40B4-BE49-F238E27FC236}">
-                <a16:creationId xmlns:a16="http://schemas.microsoft.com/office/drawing/2014/main" id="{3F56A3A3-3478-AA81-1D0D-E2787BB3AAE6}"/>
+                <a16:creationId xmlns:a16="http://schemas.microsoft.com/office/drawing/2014/main" id="{16768804-1CCC-EE1C-BD97-CDB6F9D3C0BC}"/>
               </a:ext>
             </a:extLst>
           </p:cNvPr>
@@ -1949,7 +1949,7 @@
           <a:bodyPr/>
           <a:lstStyle/>
           <a:p>
-            <a:fld id="{ACD24BB1-A577-4746-975C-1D9EBF207121}" type="datetimeFigureOut">
+            <a:fld id="{17D6C595-131C-4F3C-A0A6-9FFD23716381}" type="datetimeFigureOut">
               <a:rPr lang="zh-CN" altLang="en-US" smtClean="0"/>
               <a:t>2024/3/10</a:t>
             </a:fld>
@@ -1962,7 +1962,7 @@
           <p:cNvPr id="4" name="页脚占位符 3">
             <a:extLst>
               <a:ext uri="{FF2B5EF4-FFF2-40B4-BE49-F238E27FC236}">
-                <a16:creationId xmlns:a16="http://schemas.microsoft.com/office/drawing/2014/main" id="{247CE235-E05E-EBB5-37A1-1B37518EEFD8}"/>
+                <a16:creationId xmlns:a16="http://schemas.microsoft.com/office/drawing/2014/main" id="{B4139587-A727-6EEE-1A8C-E99184A242D6}"/>
               </a:ext>
             </a:extLst>
           </p:cNvPr>
@@ -1987,7 +1987,7 @@
           <p:cNvPr id="5" name="灯片编号占位符 4">
             <a:extLst>
               <a:ext uri="{FF2B5EF4-FFF2-40B4-BE49-F238E27FC236}">
-                <a16:creationId xmlns:a16="http://schemas.microsoft.com/office/drawing/2014/main" id="{505B4C60-3B8E-8D27-CDD4-96F54592BB82}"/>
+                <a16:creationId xmlns:a16="http://schemas.microsoft.com/office/drawing/2014/main" id="{F5FB408F-D22E-3C15-2EED-43FF4A5579DE}"/>
               </a:ext>
             </a:extLst>
           </p:cNvPr>
@@ -2003,7 +2003,7 @@
           <a:bodyPr/>
           <a:lstStyle/>
           <a:p>
-            <a:fld id="{AACF9496-A6C0-4E49-A339-B9414C065E18}" type="slidenum">
+            <a:fld id="{167AC861-076B-4FEC-9C28-F7F1F2E67E04}" type="slidenum">
               <a:rPr lang="zh-CN" altLang="en-US" smtClean="0"/>
               <a:t>‹#›</a:t>
             </a:fld>
@@ -2014,7 +2014,7 @@
     </p:spTree>
     <p:extLst>
       <p:ext uri="{BB962C8B-B14F-4D97-AF65-F5344CB8AC3E}">
-        <p14:creationId xmlns:p14="http://schemas.microsoft.com/office/powerpoint/2010/main" val="1769418208"/>
+        <p14:creationId xmlns:p14="http://schemas.microsoft.com/office/powerpoint/2010/main" val="2434147441"/>
       </p:ext>
     </p:extLst>
   </p:cSld>
@@ -2046,7 +2046,7 @@
           <p:cNvPr id="2" name="日期占位符 1">
             <a:extLst>
               <a:ext uri="{FF2B5EF4-FFF2-40B4-BE49-F238E27FC236}">
-                <a16:creationId xmlns:a16="http://schemas.microsoft.com/office/drawing/2014/main" id="{746EC4CC-149C-2C0F-3096-EEFBF0385D93}"/>
+                <a16:creationId xmlns:a16="http://schemas.microsoft.com/office/drawing/2014/main" id="{6FEE913C-AD6D-E709-B2F3-BF31D6BA374C}"/>
               </a:ext>
             </a:extLst>
           </p:cNvPr>
@@ -2062,7 +2062,7 @@
           <a:bodyPr/>
           <a:lstStyle/>
           <a:p>
-            <a:fld id="{ACD24BB1-A577-4746-975C-1D9EBF207121}" type="datetimeFigureOut">
+            <a:fld id="{17D6C595-131C-4F3C-A0A6-9FFD23716381}" type="datetimeFigureOut">
               <a:rPr lang="zh-CN" altLang="en-US" smtClean="0"/>
               <a:t>2024/3/10</a:t>
             </a:fld>
@@ -2075,7 +2075,7 @@
           <p:cNvPr id="3" name="页脚占位符 2">
             <a:extLst>
               <a:ext uri="{FF2B5EF4-FFF2-40B4-BE49-F238E27FC236}">
-                <a16:creationId xmlns:a16="http://schemas.microsoft.com/office/drawing/2014/main" id="{A6AD79C9-BE9F-E547-B53F-45C87C9B8D0A}"/>
+                <a16:creationId xmlns:a16="http://schemas.microsoft.com/office/drawing/2014/main" id="{14CA7BC9-A946-1758-3316-CB2C5B91AA86}"/>
               </a:ext>
             </a:extLst>
           </p:cNvPr>
@@ -2100,7 +2100,7 @@
           <p:cNvPr id="4" name="灯片编号占位符 3">
             <a:extLst>
               <a:ext uri="{FF2B5EF4-FFF2-40B4-BE49-F238E27FC236}">
-                <a16:creationId xmlns:a16="http://schemas.microsoft.com/office/drawing/2014/main" id="{9AA86A8F-AFB7-D213-C844-04C1F01676FB}"/>
+                <a16:creationId xmlns:a16="http://schemas.microsoft.com/office/drawing/2014/main" id="{FC3EDA7A-2263-F352-2E87-F01F89ED0079}"/>
               </a:ext>
             </a:extLst>
           </p:cNvPr>
@@ -2116,7 +2116,7 @@
           <a:bodyPr/>
           <a:lstStyle/>
           <a:p>
-            <a:fld id="{AACF9496-A6C0-4E49-A339-B9414C065E18}" type="slidenum">
+            <a:fld id="{167AC861-076B-4FEC-9C28-F7F1F2E67E04}" type="slidenum">
               <a:rPr lang="zh-CN" altLang="en-US" smtClean="0"/>
               <a:t>‹#›</a:t>
             </a:fld>
@@ -2127,7 +2127,7 @@
     </p:spTree>
     <p:extLst>
       <p:ext uri="{BB962C8B-B14F-4D97-AF65-F5344CB8AC3E}">
-        <p14:creationId xmlns:p14="http://schemas.microsoft.com/office/powerpoint/2010/main" val="2225515273"/>
+        <p14:creationId xmlns:p14="http://schemas.microsoft.com/office/powerpoint/2010/main" val="270561565"/>
       </p:ext>
     </p:extLst>
   </p:cSld>
@@ -2159,7 +2159,7 @@
           <p:cNvPr id="2" name="标题 1">
             <a:extLst>
               <a:ext uri="{FF2B5EF4-FFF2-40B4-BE49-F238E27FC236}">
-                <a16:creationId xmlns:a16="http://schemas.microsoft.com/office/drawing/2014/main" id="{794351E6-8E0F-A94B-1542-A29B117D2C46}"/>
+                <a16:creationId xmlns:a16="http://schemas.microsoft.com/office/drawing/2014/main" id="{B6C3BBCB-E3D6-1FC9-937A-9B1CE829B29E}"/>
               </a:ext>
             </a:extLst>
           </p:cNvPr>
@@ -2196,7 +2196,7 @@
           <p:cNvPr id="3" name="内容占位符 2">
             <a:extLst>
               <a:ext uri="{FF2B5EF4-FFF2-40B4-BE49-F238E27FC236}">
-                <a16:creationId xmlns:a16="http://schemas.microsoft.com/office/drawing/2014/main" id="{17CC1476-330C-7E7B-C655-E915B450B3D6}"/>
+                <a16:creationId xmlns:a16="http://schemas.microsoft.com/office/drawing/2014/main" id="{0FA9DB0B-374D-A1FD-D0FD-6BAAA724613A}"/>
               </a:ext>
             </a:extLst>
           </p:cNvPr>
@@ -2286,7 +2286,7 @@
           <p:cNvPr id="4" name="文本占位符 3">
             <a:extLst>
               <a:ext uri="{FF2B5EF4-FFF2-40B4-BE49-F238E27FC236}">
-                <a16:creationId xmlns:a16="http://schemas.microsoft.com/office/drawing/2014/main" id="{BC6E2BE8-5C10-2491-DE78-AE5BED7912EE}"/>
+                <a16:creationId xmlns:a16="http://schemas.microsoft.com/office/drawing/2014/main" id="{F045C02B-93E9-7A02-5F1F-0A14039AE796}"/>
               </a:ext>
             </a:extLst>
           </p:cNvPr>
@@ -2357,7 +2357,7 @@
           <p:cNvPr id="5" name="日期占位符 4">
             <a:extLst>
               <a:ext uri="{FF2B5EF4-FFF2-40B4-BE49-F238E27FC236}">
-                <a16:creationId xmlns:a16="http://schemas.microsoft.com/office/drawing/2014/main" id="{04C62D59-7550-5C24-8C54-3F126F088150}"/>
+                <a16:creationId xmlns:a16="http://schemas.microsoft.com/office/drawing/2014/main" id="{16477056-848E-70D6-B3C2-A7F26C36DAE3}"/>
               </a:ext>
             </a:extLst>
           </p:cNvPr>
@@ -2373,7 +2373,7 @@
           <a:bodyPr/>
           <a:lstStyle/>
           <a:p>
-            <a:fld id="{ACD24BB1-A577-4746-975C-1D9EBF207121}" type="datetimeFigureOut">
+            <a:fld id="{17D6C595-131C-4F3C-A0A6-9FFD23716381}" type="datetimeFigureOut">
               <a:rPr lang="zh-CN" altLang="en-US" smtClean="0"/>
               <a:t>2024/3/10</a:t>
             </a:fld>
@@ -2386,7 +2386,7 @@
           <p:cNvPr id="6" name="页脚占位符 5">
             <a:extLst>
               <a:ext uri="{FF2B5EF4-FFF2-40B4-BE49-F238E27FC236}">
-                <a16:creationId xmlns:a16="http://schemas.microsoft.com/office/drawing/2014/main" id="{E3BE1AF3-9E28-DAC6-56B1-0B476F57464C}"/>
+                <a16:creationId xmlns:a16="http://schemas.microsoft.com/office/drawing/2014/main" id="{D54369AC-46D8-C86C-4EB7-B63DE75DA568}"/>
               </a:ext>
             </a:extLst>
           </p:cNvPr>
@@ -2411,7 +2411,7 @@
           <p:cNvPr id="7" name="灯片编号占位符 6">
             <a:extLst>
               <a:ext uri="{FF2B5EF4-FFF2-40B4-BE49-F238E27FC236}">
-                <a16:creationId xmlns:a16="http://schemas.microsoft.com/office/drawing/2014/main" id="{FCE27A3B-E6F3-7AA6-1992-D37AC378184A}"/>
+                <a16:creationId xmlns:a16="http://schemas.microsoft.com/office/drawing/2014/main" id="{8FB34ABE-EB72-E03A-686F-278BC456AA23}"/>
               </a:ext>
             </a:extLst>
           </p:cNvPr>
@@ -2427,7 +2427,7 @@
           <a:bodyPr/>
           <a:lstStyle/>
           <a:p>
-            <a:fld id="{AACF9496-A6C0-4E49-A339-B9414C065E18}" type="slidenum">
+            <a:fld id="{167AC861-076B-4FEC-9C28-F7F1F2E67E04}" type="slidenum">
               <a:rPr lang="zh-CN" altLang="en-US" smtClean="0"/>
               <a:t>‹#›</a:t>
             </a:fld>
@@ -2438,7 +2438,7 @@
     </p:spTree>
     <p:extLst>
       <p:ext uri="{BB962C8B-B14F-4D97-AF65-F5344CB8AC3E}">
-        <p14:creationId xmlns:p14="http://schemas.microsoft.com/office/powerpoint/2010/main" val="3569166527"/>
+        <p14:creationId xmlns:p14="http://schemas.microsoft.com/office/powerpoint/2010/main" val="3869902809"/>
       </p:ext>
     </p:extLst>
   </p:cSld>
@@ -2470,7 +2470,7 @@
           <p:cNvPr id="2" name="标题 1">
             <a:extLst>
               <a:ext uri="{FF2B5EF4-FFF2-40B4-BE49-F238E27FC236}">
-                <a16:creationId xmlns:a16="http://schemas.microsoft.com/office/drawing/2014/main" id="{0888A9E6-1FB6-9924-7D22-E0BBA4A12E19}"/>
+                <a16:creationId xmlns:a16="http://schemas.microsoft.com/office/drawing/2014/main" id="{543ACA37-363D-C1CE-659E-7C3D22108740}"/>
               </a:ext>
             </a:extLst>
           </p:cNvPr>
@@ -2507,7 +2507,7 @@
           <p:cNvPr id="3" name="图片占位符 2">
             <a:extLst>
               <a:ext uri="{FF2B5EF4-FFF2-40B4-BE49-F238E27FC236}">
-                <a16:creationId xmlns:a16="http://schemas.microsoft.com/office/drawing/2014/main" id="{22538C87-8C62-DCD8-08F3-B043C02AFA02}"/>
+                <a16:creationId xmlns:a16="http://schemas.microsoft.com/office/drawing/2014/main" id="{11C41964-5542-6ADC-46A0-12D9EB2974B7}"/>
               </a:ext>
             </a:extLst>
           </p:cNvPr>
@@ -2574,7 +2574,7 @@
           <p:cNvPr id="4" name="文本占位符 3">
             <a:extLst>
               <a:ext uri="{FF2B5EF4-FFF2-40B4-BE49-F238E27FC236}">
-                <a16:creationId xmlns:a16="http://schemas.microsoft.com/office/drawing/2014/main" id="{55FFFC07-8950-61C1-0D4E-9C4333813EAD}"/>
+                <a16:creationId xmlns:a16="http://schemas.microsoft.com/office/drawing/2014/main" id="{EC5B1CB4-3ACA-F322-11F9-2DDEDF6DA4CC}"/>
               </a:ext>
             </a:extLst>
           </p:cNvPr>
@@ -2645,7 +2645,7 @@
           <p:cNvPr id="5" name="日期占位符 4">
             <a:extLst>
               <a:ext uri="{FF2B5EF4-FFF2-40B4-BE49-F238E27FC236}">
-                <a16:creationId xmlns:a16="http://schemas.microsoft.com/office/drawing/2014/main" id="{734AD27C-6BC4-6278-52C5-85B806E05161}"/>
+                <a16:creationId xmlns:a16="http://schemas.microsoft.com/office/drawing/2014/main" id="{6B087596-D932-A886-E8DE-8D0EF1B4AA5A}"/>
               </a:ext>
             </a:extLst>
           </p:cNvPr>
@@ -2661,7 +2661,7 @@
           <a:bodyPr/>
           <a:lstStyle/>
           <a:p>
-            <a:fld id="{ACD24BB1-A577-4746-975C-1D9EBF207121}" type="datetimeFigureOut">
+            <a:fld id="{17D6C595-131C-4F3C-A0A6-9FFD23716381}" type="datetimeFigureOut">
               <a:rPr lang="zh-CN" altLang="en-US" smtClean="0"/>
               <a:t>2024/3/10</a:t>
             </a:fld>
@@ -2674,7 +2674,7 @@
           <p:cNvPr id="6" name="页脚占位符 5">
             <a:extLst>
               <a:ext uri="{FF2B5EF4-FFF2-40B4-BE49-F238E27FC236}">
-                <a16:creationId xmlns:a16="http://schemas.microsoft.com/office/drawing/2014/main" id="{598032FF-BFA9-042C-1FA3-8EE52A45B470}"/>
+                <a16:creationId xmlns:a16="http://schemas.microsoft.com/office/drawing/2014/main" id="{02B1A3F9-88BC-4AD3-672D-D129DFB45EF1}"/>
               </a:ext>
             </a:extLst>
           </p:cNvPr>
@@ -2699,7 +2699,7 @@
           <p:cNvPr id="7" name="灯片编号占位符 6">
             <a:extLst>
               <a:ext uri="{FF2B5EF4-FFF2-40B4-BE49-F238E27FC236}">
-                <a16:creationId xmlns:a16="http://schemas.microsoft.com/office/drawing/2014/main" id="{E272FB24-49A1-3256-1D49-31C70B10F0D0}"/>
+                <a16:creationId xmlns:a16="http://schemas.microsoft.com/office/drawing/2014/main" id="{4BE7EE3C-BD08-99BF-A1C0-1CE3800321D3}"/>
               </a:ext>
             </a:extLst>
           </p:cNvPr>
@@ -2715,7 +2715,7 @@
           <a:bodyPr/>
           <a:lstStyle/>
           <a:p>
-            <a:fld id="{AACF9496-A6C0-4E49-A339-B9414C065E18}" type="slidenum">
+            <a:fld id="{167AC861-076B-4FEC-9C28-F7F1F2E67E04}" type="slidenum">
               <a:rPr lang="zh-CN" altLang="en-US" smtClean="0"/>
               <a:t>‹#›</a:t>
             </a:fld>
@@ -2726,7 +2726,7 @@
     </p:spTree>
     <p:extLst>
       <p:ext uri="{BB962C8B-B14F-4D97-AF65-F5344CB8AC3E}">
-        <p14:creationId xmlns:p14="http://schemas.microsoft.com/office/powerpoint/2010/main" val="2136460418"/>
+        <p14:creationId xmlns:p14="http://schemas.microsoft.com/office/powerpoint/2010/main" val="1395787074"/>
       </p:ext>
     </p:extLst>
   </p:cSld>
@@ -2763,7 +2763,7 @@
           <p:cNvPr id="2" name="标题占位符 1">
             <a:extLst>
               <a:ext uri="{FF2B5EF4-FFF2-40B4-BE49-F238E27FC236}">
-                <a16:creationId xmlns:a16="http://schemas.microsoft.com/office/drawing/2014/main" id="{006C4BD4-9408-C50B-21DD-D0700827F56D}"/>
+                <a16:creationId xmlns:a16="http://schemas.microsoft.com/office/drawing/2014/main" id="{56099597-E8F9-FBA8-F656-4AEDE650AB20}"/>
               </a:ext>
             </a:extLst>
           </p:cNvPr>
@@ -2801,7 +2801,7 @@
           <p:cNvPr id="3" name="文本占位符 2">
             <a:extLst>
               <a:ext uri="{FF2B5EF4-FFF2-40B4-BE49-F238E27FC236}">
-                <a16:creationId xmlns:a16="http://schemas.microsoft.com/office/drawing/2014/main" id="{47AE6796-DA2F-A145-47F3-342FA6A123C8}"/>
+                <a16:creationId xmlns:a16="http://schemas.microsoft.com/office/drawing/2014/main" id="{9539ECAA-0936-D0B7-26E2-A4CCBDEAA69D}"/>
               </a:ext>
             </a:extLst>
           </p:cNvPr>
@@ -2868,7 +2868,7 @@
           <p:cNvPr id="4" name="日期占位符 3">
             <a:extLst>
               <a:ext uri="{FF2B5EF4-FFF2-40B4-BE49-F238E27FC236}">
-                <a16:creationId xmlns:a16="http://schemas.microsoft.com/office/drawing/2014/main" id="{4CDA48B4-84D7-0A1D-F3B5-E8C8DF59DAD4}"/>
+                <a16:creationId xmlns:a16="http://schemas.microsoft.com/office/drawing/2014/main" id="{7209D256-8B36-6A47-456F-C8ACE9959DA8}"/>
               </a:ext>
             </a:extLst>
           </p:cNvPr>
@@ -2902,7 +2902,7 @@
             </a:lvl1pPr>
           </a:lstStyle>
           <a:p>
-            <a:fld id="{ACD24BB1-A577-4746-975C-1D9EBF207121}" type="datetimeFigureOut">
+            <a:fld id="{17D6C595-131C-4F3C-A0A6-9FFD23716381}" type="datetimeFigureOut">
               <a:rPr lang="zh-CN" altLang="en-US" smtClean="0"/>
               <a:t>2024/3/10</a:t>
             </a:fld>
@@ -2915,7 +2915,7 @@
           <p:cNvPr id="5" name="页脚占位符 4">
             <a:extLst>
               <a:ext uri="{FF2B5EF4-FFF2-40B4-BE49-F238E27FC236}">
-                <a16:creationId xmlns:a16="http://schemas.microsoft.com/office/drawing/2014/main" id="{84B749BA-763E-D46F-3CB7-6911E1A49AD7}"/>
+                <a16:creationId xmlns:a16="http://schemas.microsoft.com/office/drawing/2014/main" id="{7F06317F-D8EF-6885-6F6A-2EAA0A735369}"/>
               </a:ext>
             </a:extLst>
           </p:cNvPr>
@@ -2958,7 +2958,7 @@
           <p:cNvPr id="6" name="灯片编号占位符 5">
             <a:extLst>
               <a:ext uri="{FF2B5EF4-FFF2-40B4-BE49-F238E27FC236}">
-                <a16:creationId xmlns:a16="http://schemas.microsoft.com/office/drawing/2014/main" id="{6D2CF181-4CDE-5C74-E5DC-8E97462664FB}"/>
+                <a16:creationId xmlns:a16="http://schemas.microsoft.com/office/drawing/2014/main" id="{A54DE1CE-27BE-0C1B-7BF0-44557313F008}"/>
               </a:ext>
             </a:extLst>
           </p:cNvPr>
@@ -2992,7 +2992,7 @@
             </a:lvl1pPr>
           </a:lstStyle>
           <a:p>
-            <a:fld id="{AACF9496-A6C0-4E49-A339-B9414C065E18}" type="slidenum">
+            <a:fld id="{167AC861-076B-4FEC-9C28-F7F1F2E67E04}" type="slidenum">
               <a:rPr lang="zh-CN" altLang="en-US" smtClean="0"/>
               <a:t>‹#›</a:t>
             </a:fld>
@@ -3003,7 +3003,7 @@
     </p:spTree>
     <p:extLst>
       <p:ext uri="{BB962C8B-B14F-4D97-AF65-F5344CB8AC3E}">
-        <p14:creationId xmlns:p14="http://schemas.microsoft.com/office/powerpoint/2010/main" val="2699790471"/>
+        <p14:creationId xmlns:p14="http://schemas.microsoft.com/office/powerpoint/2010/main" val="2558989515"/>
       </p:ext>
     </p:extLst>
   </p:cSld>
